--- a/share/后端开发模板.pptx
+++ b/share/后端开发模板.pptx
@@ -8,9 +8,9 @@
     <p:sldId id="256" r:id="rId2"/>
     <p:sldId id="258" r:id="rId3"/>
     <p:sldId id="257" r:id="rId4"/>
-    <p:sldId id="259" r:id="rId5"/>
-    <p:sldId id="262" r:id="rId6"/>
-    <p:sldId id="260" r:id="rId7"/>
+    <p:sldId id="260" r:id="rId5"/>
+    <p:sldId id="259" r:id="rId6"/>
+    <p:sldId id="262" r:id="rId7"/>
     <p:sldId id="261" r:id="rId8"/>
   </p:sldIdLst>
   <p:sldSz cx="12192000" cy="6858000"/>
@@ -110,6 +110,11 @@
       </a:defRPr>
     </a:lvl9pPr>
   </p:defaultTextStyle>
+  <p:extLst>
+    <p:ext uri="{EFAFB233-063F-42B5-8137-9DF3F51BA10A}">
+      <p15:sldGuideLst xmlns:p15="http://schemas.microsoft.com/office/powerpoint/2012/main"/>
+    </p:ext>
+  </p:extLst>
 </p:presentation>
 </file>
 
@@ -858,7 +863,7 @@
           <a:p>
             <a:fld id="{77AF6DA4-6098-451D-B5B8-0DF1CA58094A}" type="datetimeFigureOut">
               <a:rPr lang="zh-CN" altLang="en-US" smtClean="0"/>
-              <a:t>2020-02-24</a:t>
+              <a:t>2020-03-02</a:t>
             </a:fld>
             <a:endParaRPr lang="zh-CN" altLang="en-US"/>
           </a:p>
@@ -1109,7 +1114,7 @@
           <a:p>
             <a:fld id="{77AF6DA4-6098-451D-B5B8-0DF1CA58094A}" type="datetimeFigureOut">
               <a:rPr lang="zh-CN" altLang="en-US" smtClean="0"/>
-              <a:t>2020-02-24</a:t>
+              <a:t>2020-03-02</a:t>
             </a:fld>
             <a:endParaRPr lang="zh-CN" altLang="en-US"/>
           </a:p>
@@ -1423,7 +1428,7 @@
           <a:p>
             <a:fld id="{77AF6DA4-6098-451D-B5B8-0DF1CA58094A}" type="datetimeFigureOut">
               <a:rPr lang="zh-CN" altLang="en-US" smtClean="0"/>
-              <a:t>2020-02-24</a:t>
+              <a:t>2020-03-02</a:t>
             </a:fld>
             <a:endParaRPr lang="zh-CN" altLang="en-US"/>
           </a:p>
@@ -1756,7 +1761,7 @@
           <a:p>
             <a:fld id="{77AF6DA4-6098-451D-B5B8-0DF1CA58094A}" type="datetimeFigureOut">
               <a:rPr lang="zh-CN" altLang="en-US" smtClean="0"/>
-              <a:t>2020-02-24</a:t>
+              <a:t>2020-03-02</a:t>
             </a:fld>
             <a:endParaRPr lang="zh-CN" altLang="en-US"/>
           </a:p>
@@ -2070,7 +2075,7 @@
           <a:p>
             <a:fld id="{77AF6DA4-6098-451D-B5B8-0DF1CA58094A}" type="datetimeFigureOut">
               <a:rPr lang="zh-CN" altLang="en-US" smtClean="0"/>
-              <a:t>2020-02-24</a:t>
+              <a:t>2020-03-02</a:t>
             </a:fld>
             <a:endParaRPr lang="zh-CN" altLang="en-US"/>
           </a:p>
@@ -2463,7 +2468,7 @@
           <a:p>
             <a:fld id="{77AF6DA4-6098-451D-B5B8-0DF1CA58094A}" type="datetimeFigureOut">
               <a:rPr lang="zh-CN" altLang="en-US" smtClean="0"/>
-              <a:t>2020-02-24</a:t>
+              <a:t>2020-03-02</a:t>
             </a:fld>
             <a:endParaRPr lang="zh-CN" altLang="en-US"/>
           </a:p>
@@ -2633,7 +2638,7 @@
           <a:p>
             <a:fld id="{77AF6DA4-6098-451D-B5B8-0DF1CA58094A}" type="datetimeFigureOut">
               <a:rPr lang="zh-CN" altLang="en-US" smtClean="0"/>
-              <a:t>2020-02-24</a:t>
+              <a:t>2020-03-02</a:t>
             </a:fld>
             <a:endParaRPr lang="zh-CN" altLang="en-US"/>
           </a:p>
@@ -2813,7 +2818,7 @@
           <a:p>
             <a:fld id="{77AF6DA4-6098-451D-B5B8-0DF1CA58094A}" type="datetimeFigureOut">
               <a:rPr lang="zh-CN" altLang="en-US" smtClean="0"/>
-              <a:t>2020-02-24</a:t>
+              <a:t>2020-03-02</a:t>
             </a:fld>
             <a:endParaRPr lang="zh-CN" altLang="en-US"/>
           </a:p>
@@ -2983,7 +2988,7 @@
           <a:p>
             <a:fld id="{77AF6DA4-6098-451D-B5B8-0DF1CA58094A}" type="datetimeFigureOut">
               <a:rPr lang="zh-CN" altLang="en-US" smtClean="0"/>
-              <a:t>2020-02-24</a:t>
+              <a:t>2020-03-02</a:t>
             </a:fld>
             <a:endParaRPr lang="zh-CN" altLang="en-US"/>
           </a:p>
@@ -3230,7 +3235,7 @@
           <a:p>
             <a:fld id="{77AF6DA4-6098-451D-B5B8-0DF1CA58094A}" type="datetimeFigureOut">
               <a:rPr lang="zh-CN" altLang="en-US" smtClean="0"/>
-              <a:t>2020-02-24</a:t>
+              <a:t>2020-03-02</a:t>
             </a:fld>
             <a:endParaRPr lang="zh-CN" altLang="en-US"/>
           </a:p>
@@ -3462,7 +3467,7 @@
           <a:p>
             <a:fld id="{77AF6DA4-6098-451D-B5B8-0DF1CA58094A}" type="datetimeFigureOut">
               <a:rPr lang="zh-CN" altLang="en-US" smtClean="0"/>
-              <a:t>2020-02-24</a:t>
+              <a:t>2020-03-02</a:t>
             </a:fld>
             <a:endParaRPr lang="zh-CN" altLang="en-US"/>
           </a:p>
@@ -3836,7 +3841,7 @@
           <a:p>
             <a:fld id="{77AF6DA4-6098-451D-B5B8-0DF1CA58094A}" type="datetimeFigureOut">
               <a:rPr lang="zh-CN" altLang="en-US" smtClean="0"/>
-              <a:t>2020-02-24</a:t>
+              <a:t>2020-03-02</a:t>
             </a:fld>
             <a:endParaRPr lang="zh-CN" altLang="en-US"/>
           </a:p>
@@ -3959,7 +3964,7 @@
           <a:p>
             <a:fld id="{77AF6DA4-6098-451D-B5B8-0DF1CA58094A}" type="datetimeFigureOut">
               <a:rPr lang="zh-CN" altLang="en-US" smtClean="0"/>
-              <a:t>2020-02-24</a:t>
+              <a:t>2020-03-02</a:t>
             </a:fld>
             <a:endParaRPr lang="zh-CN" altLang="en-US"/>
           </a:p>
@@ -4054,7 +4059,7 @@
           <a:p>
             <a:fld id="{77AF6DA4-6098-451D-B5B8-0DF1CA58094A}" type="datetimeFigureOut">
               <a:rPr lang="zh-CN" altLang="en-US" smtClean="0"/>
-              <a:t>2020-02-24</a:t>
+              <a:t>2020-03-02</a:t>
             </a:fld>
             <a:endParaRPr lang="zh-CN" altLang="en-US"/>
           </a:p>
@@ -4309,7 +4314,7 @@
           <a:p>
             <a:fld id="{77AF6DA4-6098-451D-B5B8-0DF1CA58094A}" type="datetimeFigureOut">
               <a:rPr lang="zh-CN" altLang="en-US" smtClean="0"/>
-              <a:t>2020-02-24</a:t>
+              <a:t>2020-03-02</a:t>
             </a:fld>
             <a:endParaRPr lang="zh-CN" altLang="en-US"/>
           </a:p>
@@ -4614,7 +4619,7 @@
           <a:p>
             <a:fld id="{77AF6DA4-6098-451D-B5B8-0DF1CA58094A}" type="datetimeFigureOut">
               <a:rPr lang="zh-CN" altLang="en-US" smtClean="0"/>
-              <a:t>2020-02-24</a:t>
+              <a:t>2020-03-02</a:t>
             </a:fld>
             <a:endParaRPr lang="zh-CN" altLang="en-US"/>
           </a:p>
@@ -5316,7 +5321,7 @@
           <a:p>
             <a:fld id="{77AF6DA4-6098-451D-B5B8-0DF1CA58094A}" type="datetimeFigureOut">
               <a:rPr lang="zh-CN" altLang="en-US" smtClean="0"/>
-              <a:t>2020-02-24</a:t>
+              <a:t>2020-03-02</a:t>
             </a:fld>
             <a:endParaRPr lang="zh-CN" altLang="en-US"/>
           </a:p>
@@ -6003,7 +6008,22 @@
           <a:p>
             <a:r>
               <a:rPr lang="zh-CN" altLang="en-US" dirty="0" smtClean="0"/>
-              <a:t>是一套模板框架</a:t>
+              <a:t>是一套模板</a:t>
+            </a:r>
+            <a:r>
+              <a:rPr lang="zh-CN" altLang="en-US" dirty="0" smtClean="0"/>
+              <a:t>框架</a:t>
+            </a:r>
+            <a:endParaRPr lang="en-US" altLang="zh-CN" dirty="0" smtClean="0"/>
+          </a:p>
+          <a:p>
+            <a:r>
+              <a:rPr lang="zh-CN" altLang="en-US" dirty="0" smtClean="0"/>
+              <a:t>源码地址：</a:t>
+            </a:r>
+            <a:r>
+              <a:rPr lang="en-US" altLang="zh-CN" dirty="0"/>
+              <a:t>https://github.com/cqhaibin/ApiTemplate.git</a:t>
             </a:r>
             <a:endParaRPr lang="zh-CN" altLang="en-US" dirty="0"/>
           </a:p>
@@ -6206,8 +6226,16 @@
               <a:t>Dictionary</a:t>
             </a:r>
             <a:r>
+              <a:rPr lang="zh-CN" altLang="en-US" smtClean="0"/>
+              <a:t>实现</a:t>
+            </a:r>
+            <a:r>
+              <a:rPr lang="zh-CN" altLang="en-US" smtClean="0"/>
+              <a:t>单机内存</a:t>
+            </a:r>
+            <a:r>
               <a:rPr lang="zh-CN" altLang="en-US" dirty="0" smtClean="0"/>
-              <a:t>实现单体内存级缓存</a:t>
+              <a:t>级缓存</a:t>
             </a:r>
             <a:endParaRPr lang="zh-CN" altLang="en-US" dirty="0"/>
           </a:p>
@@ -6260,253 +6288,6 @@
           <a:p>
             <a:r>
               <a:rPr lang="zh-CN" altLang="en-US" dirty="0" smtClean="0"/>
-              <a:t>接口规范</a:t>
-            </a:r>
-            <a:endParaRPr lang="zh-CN" altLang="en-US" dirty="0"/>
-          </a:p>
-        </p:txBody>
-      </p:sp>
-      <p:sp>
-        <p:nvSpPr>
-          <p:cNvPr id="3" name="内容占位符 2"/>
-          <p:cNvSpPr>
-            <a:spLocks noGrp="1"/>
-          </p:cNvSpPr>
-          <p:nvPr>
-            <p:ph idx="1"/>
-          </p:nvPr>
-        </p:nvSpPr>
-        <p:spPr/>
-        <p:txBody>
-          <a:bodyPr/>
-          <a:lstStyle/>
-          <a:p>
-            <a:r>
-              <a:rPr lang="zh-CN" altLang="en-US" dirty="0" smtClean="0"/>
-              <a:t>接口以类似</a:t>
-            </a:r>
-            <a:r>
-              <a:rPr lang="en-US" altLang="zh-CN" dirty="0" err="1" smtClean="0"/>
-              <a:t>resetful</a:t>
-            </a:r>
-            <a:r>
-              <a:rPr lang="en-US" altLang="zh-CN" dirty="0" smtClean="0"/>
-              <a:t> </a:t>
-            </a:r>
-            <a:r>
-              <a:rPr lang="en-US" altLang="zh-CN" dirty="0" err="1" smtClean="0"/>
-              <a:t>api</a:t>
-            </a:r>
-            <a:r>
-              <a:rPr lang="zh-CN" altLang="en-US" dirty="0" smtClean="0"/>
-              <a:t>规范返回</a:t>
-            </a:r>
-            <a:endParaRPr lang="en-US" altLang="zh-CN" dirty="0" smtClean="0"/>
-          </a:p>
-          <a:p>
-            <a:r>
-              <a:rPr lang="zh-CN" altLang="en-US" dirty="0" smtClean="0"/>
-              <a:t>返回结果规则一致</a:t>
-            </a:r>
-            <a:endParaRPr lang="en-US" altLang="zh-CN" dirty="0" smtClean="0"/>
-          </a:p>
-          <a:p>
-            <a:r>
-              <a:rPr lang="zh-CN" altLang="en-US" dirty="0" smtClean="0"/>
-              <a:t>接口名前缀三个动词：</a:t>
-            </a:r>
-            <a:r>
-              <a:rPr lang="en-US" altLang="zh-CN" dirty="0" smtClean="0"/>
-              <a:t>Get</a:t>
-            </a:r>
-            <a:r>
-              <a:rPr lang="zh-CN" altLang="en-US" dirty="0" smtClean="0"/>
-              <a:t>：表示查询；</a:t>
-            </a:r>
-            <a:r>
-              <a:rPr lang="en-US" altLang="zh-CN" dirty="0" smtClean="0"/>
-              <a:t>Post</a:t>
-            </a:r>
-            <a:r>
-              <a:rPr lang="zh-CN" altLang="en-US" dirty="0" smtClean="0"/>
-              <a:t>：提交数据（添加</a:t>
-            </a:r>
-            <a:r>
-              <a:rPr lang="en-US" altLang="zh-CN" dirty="0" smtClean="0"/>
-              <a:t>/</a:t>
-            </a:r>
-            <a:r>
-              <a:rPr lang="zh-CN" altLang="en-US" dirty="0" smtClean="0"/>
-              <a:t>修改）；</a:t>
-            </a:r>
-            <a:r>
-              <a:rPr lang="en-US" altLang="zh-CN" dirty="0" smtClean="0"/>
-              <a:t>Delete</a:t>
-            </a:r>
-            <a:r>
-              <a:rPr lang="zh-CN" altLang="en-US" dirty="0" smtClean="0"/>
-              <a:t>：移除数据</a:t>
-            </a:r>
-            <a:endParaRPr lang="en-US" altLang="zh-CN" dirty="0" smtClean="0"/>
-          </a:p>
-          <a:p>
-            <a:r>
-              <a:rPr lang="zh-CN" altLang="en-US" dirty="0" smtClean="0"/>
-              <a:t>接口命名规则：接口名前缀</a:t>
-            </a:r>
-            <a:r>
-              <a:rPr lang="en-US" altLang="zh-CN" dirty="0" smtClean="0"/>
-              <a:t>+</a:t>
-            </a:r>
-            <a:r>
-              <a:rPr lang="zh-CN" altLang="en-US" dirty="0" smtClean="0"/>
-              <a:t>业务名称；以大驼峰命名</a:t>
-            </a:r>
-            <a:endParaRPr lang="en-US" altLang="zh-CN" dirty="0" smtClean="0"/>
-          </a:p>
-          <a:p>
-            <a:r>
-              <a:rPr lang="zh-CN" altLang="en-US" dirty="0" smtClean="0"/>
-              <a:t>接口统一存放在</a:t>
-            </a:r>
-            <a:r>
-              <a:rPr lang="en-US" altLang="zh-CN" dirty="0" err="1" smtClean="0"/>
-              <a:t>Yapi</a:t>
-            </a:r>
-            <a:r>
-              <a:rPr lang="zh-CN" altLang="en-US" dirty="0" smtClean="0"/>
-              <a:t>平台</a:t>
-            </a:r>
-            <a:endParaRPr lang="zh-CN" altLang="en-US" dirty="0"/>
-          </a:p>
-        </p:txBody>
-      </p:sp>
-    </p:spTree>
-    <p:extLst>
-      <p:ext uri="{BB962C8B-B14F-4D97-AF65-F5344CB8AC3E}">
-        <p14:creationId xmlns:p14="http://schemas.microsoft.com/office/powerpoint/2010/main" val="102273417"/>
-      </p:ext>
-    </p:extLst>
-  </p:cSld>
-  <p:clrMapOvr>
-    <a:masterClrMapping/>
-  </p:clrMapOvr>
-</p:sld>
-</file>
-
-<file path=ppt/slides/slide5.xml><?xml version="1.0" encoding="utf-8"?>
-<p:sld xmlns:a="http://schemas.openxmlformats.org/drawingml/2006/main" xmlns:r="http://schemas.openxmlformats.org/officeDocument/2006/relationships" xmlns:p="http://schemas.openxmlformats.org/presentationml/2006/main">
-  <p:cSld>
-    <p:spTree>
-      <p:nvGrpSpPr>
-        <p:cNvPr id="1" name=""/>
-        <p:cNvGrpSpPr/>
-        <p:nvPr/>
-      </p:nvGrpSpPr>
-      <p:grpSpPr>
-        <a:xfrm>
-          <a:off x="0" y="0"/>
-          <a:ext cx="0" cy="0"/>
-          <a:chOff x="0" y="0"/>
-          <a:chExt cx="0" cy="0"/>
-        </a:xfrm>
-      </p:grpSpPr>
-      <p:sp>
-        <p:nvSpPr>
-          <p:cNvPr id="2" name="标题 1"/>
-          <p:cNvSpPr>
-            <a:spLocks noGrp="1"/>
-          </p:cNvSpPr>
-          <p:nvPr>
-            <p:ph type="title"/>
-          </p:nvPr>
-        </p:nvSpPr>
-        <p:spPr/>
-        <p:txBody>
-          <a:bodyPr/>
-          <a:lstStyle/>
-          <a:p>
-            <a:r>
-              <a:rPr lang="zh-CN" altLang="en-US" dirty="0" smtClean="0"/>
-              <a:t>接口返回规范</a:t>
-            </a:r>
-            <a:endParaRPr lang="zh-CN" altLang="en-US" dirty="0"/>
-          </a:p>
-        </p:txBody>
-      </p:sp>
-      <p:pic>
-        <p:nvPicPr>
-          <p:cNvPr id="4" name="内容占位符 3"/>
-          <p:cNvPicPr>
-            <a:picLocks noGrp="1" noChangeAspect="1"/>
-          </p:cNvPicPr>
-          <p:nvPr>
-            <p:ph idx="1"/>
-          </p:nvPr>
-        </p:nvPicPr>
-        <p:blipFill>
-          <a:blip r:embed="rId2"/>
-          <a:stretch>
-            <a:fillRect/>
-          </a:stretch>
-        </p:blipFill>
-        <p:spPr>
-          <a:xfrm>
-            <a:off x="408914" y="1930400"/>
-            <a:ext cx="9080865" cy="3684789"/>
-          </a:xfrm>
-          <a:prstGeom prst="rect">
-            <a:avLst/>
-          </a:prstGeom>
-        </p:spPr>
-      </p:pic>
-    </p:spTree>
-    <p:extLst>
-      <p:ext uri="{BB962C8B-B14F-4D97-AF65-F5344CB8AC3E}">
-        <p14:creationId xmlns:p14="http://schemas.microsoft.com/office/powerpoint/2010/main" val="2601300880"/>
-      </p:ext>
-    </p:extLst>
-  </p:cSld>
-  <p:clrMapOvr>
-    <a:masterClrMapping/>
-  </p:clrMapOvr>
-</p:sld>
-</file>
-
-<file path=ppt/slides/slide6.xml><?xml version="1.0" encoding="utf-8"?>
-<p:sld xmlns:a="http://schemas.openxmlformats.org/drawingml/2006/main" xmlns:r="http://schemas.openxmlformats.org/officeDocument/2006/relationships" xmlns:p="http://schemas.openxmlformats.org/presentationml/2006/main">
-  <p:cSld>
-    <p:spTree>
-      <p:nvGrpSpPr>
-        <p:cNvPr id="1" name=""/>
-        <p:cNvGrpSpPr/>
-        <p:nvPr/>
-      </p:nvGrpSpPr>
-      <p:grpSpPr>
-        <a:xfrm>
-          <a:off x="0" y="0"/>
-          <a:ext cx="0" cy="0"/>
-          <a:chOff x="0" y="0"/>
-          <a:chExt cx="0" cy="0"/>
-        </a:xfrm>
-      </p:grpSpPr>
-      <p:sp>
-        <p:nvSpPr>
-          <p:cNvPr id="2" name="标题 1"/>
-          <p:cNvSpPr>
-            <a:spLocks noGrp="1"/>
-          </p:cNvSpPr>
-          <p:nvPr>
-            <p:ph type="title"/>
-          </p:nvPr>
-        </p:nvSpPr>
-        <p:spPr/>
-        <p:txBody>
-          <a:bodyPr/>
-          <a:lstStyle/>
-          <a:p>
-            <a:r>
-              <a:rPr lang="zh-CN" altLang="en-US" dirty="0" smtClean="0"/>
               <a:t>架构分层</a:t>
             </a:r>
             <a:endParaRPr lang="zh-CN" altLang="en-US" dirty="0"/>
@@ -6648,11 +6429,7 @@
           <a:p>
             <a:r>
               <a:rPr lang="zh-CN" altLang="en-US" dirty="0" smtClean="0"/>
-              <a:t>业务层：提供业务能力</a:t>
-            </a:r>
-            <a:r>
-              <a:rPr lang="zh-CN" altLang="en-US" dirty="0" smtClean="0"/>
-              <a:t>、组合业务层对象</a:t>
+              <a:t>业务层：提供业务能力、组合业务层对象</a:t>
             </a:r>
             <a:endParaRPr lang="zh-CN" altLang="en-US" dirty="0"/>
           </a:p>
@@ -6788,6 +6565,253 @@
     <p:extLst>
       <p:ext uri="{BB962C8B-B14F-4D97-AF65-F5344CB8AC3E}">
         <p14:creationId xmlns:p14="http://schemas.microsoft.com/office/powerpoint/2010/main" val="667581738"/>
+      </p:ext>
+    </p:extLst>
+  </p:cSld>
+  <p:clrMapOvr>
+    <a:masterClrMapping/>
+  </p:clrMapOvr>
+</p:sld>
+</file>
+
+<file path=ppt/slides/slide5.xml><?xml version="1.0" encoding="utf-8"?>
+<p:sld xmlns:a="http://schemas.openxmlformats.org/drawingml/2006/main" xmlns:r="http://schemas.openxmlformats.org/officeDocument/2006/relationships" xmlns:p="http://schemas.openxmlformats.org/presentationml/2006/main">
+  <p:cSld>
+    <p:spTree>
+      <p:nvGrpSpPr>
+        <p:cNvPr id="1" name=""/>
+        <p:cNvGrpSpPr/>
+        <p:nvPr/>
+      </p:nvGrpSpPr>
+      <p:grpSpPr>
+        <a:xfrm>
+          <a:off x="0" y="0"/>
+          <a:ext cx="0" cy="0"/>
+          <a:chOff x="0" y="0"/>
+          <a:chExt cx="0" cy="0"/>
+        </a:xfrm>
+      </p:grpSpPr>
+      <p:sp>
+        <p:nvSpPr>
+          <p:cNvPr id="2" name="标题 1"/>
+          <p:cNvSpPr>
+            <a:spLocks noGrp="1"/>
+          </p:cNvSpPr>
+          <p:nvPr>
+            <p:ph type="title"/>
+          </p:nvPr>
+        </p:nvSpPr>
+        <p:spPr/>
+        <p:txBody>
+          <a:bodyPr/>
+          <a:lstStyle/>
+          <a:p>
+            <a:r>
+              <a:rPr lang="zh-CN" altLang="en-US" dirty="0" smtClean="0"/>
+              <a:t>接口规范</a:t>
+            </a:r>
+            <a:endParaRPr lang="zh-CN" altLang="en-US" dirty="0"/>
+          </a:p>
+        </p:txBody>
+      </p:sp>
+      <p:sp>
+        <p:nvSpPr>
+          <p:cNvPr id="3" name="内容占位符 2"/>
+          <p:cNvSpPr>
+            <a:spLocks noGrp="1"/>
+          </p:cNvSpPr>
+          <p:nvPr>
+            <p:ph idx="1"/>
+          </p:nvPr>
+        </p:nvSpPr>
+        <p:spPr/>
+        <p:txBody>
+          <a:bodyPr/>
+          <a:lstStyle/>
+          <a:p>
+            <a:r>
+              <a:rPr lang="zh-CN" altLang="en-US" dirty="0" smtClean="0"/>
+              <a:t>接口以类似</a:t>
+            </a:r>
+            <a:r>
+              <a:rPr lang="en-US" altLang="zh-CN" dirty="0" err="1" smtClean="0"/>
+              <a:t>resetful</a:t>
+            </a:r>
+            <a:r>
+              <a:rPr lang="en-US" altLang="zh-CN" dirty="0" smtClean="0"/>
+              <a:t> </a:t>
+            </a:r>
+            <a:r>
+              <a:rPr lang="en-US" altLang="zh-CN" dirty="0" err="1" smtClean="0"/>
+              <a:t>api</a:t>
+            </a:r>
+            <a:r>
+              <a:rPr lang="zh-CN" altLang="en-US" dirty="0" smtClean="0"/>
+              <a:t>规范返回</a:t>
+            </a:r>
+            <a:endParaRPr lang="en-US" altLang="zh-CN" dirty="0" smtClean="0"/>
+          </a:p>
+          <a:p>
+            <a:r>
+              <a:rPr lang="zh-CN" altLang="en-US" dirty="0" smtClean="0"/>
+              <a:t>返回结果规则一致</a:t>
+            </a:r>
+            <a:endParaRPr lang="en-US" altLang="zh-CN" dirty="0" smtClean="0"/>
+          </a:p>
+          <a:p>
+            <a:r>
+              <a:rPr lang="zh-CN" altLang="en-US" dirty="0" smtClean="0"/>
+              <a:t>接口名前缀三个动词：</a:t>
+            </a:r>
+            <a:r>
+              <a:rPr lang="en-US" altLang="zh-CN" dirty="0" smtClean="0"/>
+              <a:t>Get</a:t>
+            </a:r>
+            <a:r>
+              <a:rPr lang="zh-CN" altLang="en-US" dirty="0" smtClean="0"/>
+              <a:t>：表示查询；</a:t>
+            </a:r>
+            <a:r>
+              <a:rPr lang="en-US" altLang="zh-CN" dirty="0" smtClean="0"/>
+              <a:t>Post</a:t>
+            </a:r>
+            <a:r>
+              <a:rPr lang="zh-CN" altLang="en-US" dirty="0" smtClean="0"/>
+              <a:t>：提交数据（添加</a:t>
+            </a:r>
+            <a:r>
+              <a:rPr lang="en-US" altLang="zh-CN" dirty="0" smtClean="0"/>
+              <a:t>/</a:t>
+            </a:r>
+            <a:r>
+              <a:rPr lang="zh-CN" altLang="en-US" dirty="0" smtClean="0"/>
+              <a:t>修改）；</a:t>
+            </a:r>
+            <a:r>
+              <a:rPr lang="en-US" altLang="zh-CN" dirty="0" smtClean="0"/>
+              <a:t>Delete</a:t>
+            </a:r>
+            <a:r>
+              <a:rPr lang="zh-CN" altLang="en-US" dirty="0" smtClean="0"/>
+              <a:t>：移除数据</a:t>
+            </a:r>
+            <a:endParaRPr lang="en-US" altLang="zh-CN" dirty="0" smtClean="0"/>
+          </a:p>
+          <a:p>
+            <a:r>
+              <a:rPr lang="zh-CN" altLang="en-US" dirty="0" smtClean="0"/>
+              <a:t>接口命名规则：接口名前缀</a:t>
+            </a:r>
+            <a:r>
+              <a:rPr lang="en-US" altLang="zh-CN" dirty="0" smtClean="0"/>
+              <a:t>+</a:t>
+            </a:r>
+            <a:r>
+              <a:rPr lang="zh-CN" altLang="en-US" dirty="0" smtClean="0"/>
+              <a:t>业务名称；以大驼峰命名</a:t>
+            </a:r>
+            <a:endParaRPr lang="en-US" altLang="zh-CN" dirty="0" smtClean="0"/>
+          </a:p>
+          <a:p>
+            <a:r>
+              <a:rPr lang="zh-CN" altLang="en-US" dirty="0" smtClean="0"/>
+              <a:t>接口统一存放在</a:t>
+            </a:r>
+            <a:r>
+              <a:rPr lang="en-US" altLang="zh-CN" dirty="0" err="1" smtClean="0"/>
+              <a:t>Yapi</a:t>
+            </a:r>
+            <a:r>
+              <a:rPr lang="zh-CN" altLang="en-US" dirty="0" smtClean="0"/>
+              <a:t>平台</a:t>
+            </a:r>
+            <a:endParaRPr lang="zh-CN" altLang="en-US" dirty="0"/>
+          </a:p>
+        </p:txBody>
+      </p:sp>
+    </p:spTree>
+    <p:extLst>
+      <p:ext uri="{BB962C8B-B14F-4D97-AF65-F5344CB8AC3E}">
+        <p14:creationId xmlns:p14="http://schemas.microsoft.com/office/powerpoint/2010/main" val="102273417"/>
+      </p:ext>
+    </p:extLst>
+  </p:cSld>
+  <p:clrMapOvr>
+    <a:masterClrMapping/>
+  </p:clrMapOvr>
+</p:sld>
+</file>
+
+<file path=ppt/slides/slide6.xml><?xml version="1.0" encoding="utf-8"?>
+<p:sld xmlns:a="http://schemas.openxmlformats.org/drawingml/2006/main" xmlns:r="http://schemas.openxmlformats.org/officeDocument/2006/relationships" xmlns:p="http://schemas.openxmlformats.org/presentationml/2006/main">
+  <p:cSld>
+    <p:spTree>
+      <p:nvGrpSpPr>
+        <p:cNvPr id="1" name=""/>
+        <p:cNvGrpSpPr/>
+        <p:nvPr/>
+      </p:nvGrpSpPr>
+      <p:grpSpPr>
+        <a:xfrm>
+          <a:off x="0" y="0"/>
+          <a:ext cx="0" cy="0"/>
+          <a:chOff x="0" y="0"/>
+          <a:chExt cx="0" cy="0"/>
+        </a:xfrm>
+      </p:grpSpPr>
+      <p:sp>
+        <p:nvSpPr>
+          <p:cNvPr id="2" name="标题 1"/>
+          <p:cNvSpPr>
+            <a:spLocks noGrp="1"/>
+          </p:cNvSpPr>
+          <p:nvPr>
+            <p:ph type="title"/>
+          </p:nvPr>
+        </p:nvSpPr>
+        <p:spPr/>
+        <p:txBody>
+          <a:bodyPr/>
+          <a:lstStyle/>
+          <a:p>
+            <a:r>
+              <a:rPr lang="zh-CN" altLang="en-US" dirty="0" smtClean="0"/>
+              <a:t>接口返回规范</a:t>
+            </a:r>
+            <a:endParaRPr lang="zh-CN" altLang="en-US" dirty="0"/>
+          </a:p>
+        </p:txBody>
+      </p:sp>
+      <p:pic>
+        <p:nvPicPr>
+          <p:cNvPr id="4" name="内容占位符 3"/>
+          <p:cNvPicPr>
+            <a:picLocks noGrp="1" noChangeAspect="1"/>
+          </p:cNvPicPr>
+          <p:nvPr>
+            <p:ph idx="1"/>
+          </p:nvPr>
+        </p:nvPicPr>
+        <p:blipFill>
+          <a:blip r:embed="rId2"/>
+          <a:stretch>
+            <a:fillRect/>
+          </a:stretch>
+        </p:blipFill>
+        <p:spPr>
+          <a:xfrm>
+            <a:off x="408914" y="1930400"/>
+            <a:ext cx="9080865" cy="3684789"/>
+          </a:xfrm>
+          <a:prstGeom prst="rect">
+            <a:avLst/>
+          </a:prstGeom>
+        </p:spPr>
+      </p:pic>
+    </p:spTree>
+    <p:extLst>
+      <p:ext uri="{BB962C8B-B14F-4D97-AF65-F5344CB8AC3E}">
+        <p14:creationId xmlns:p14="http://schemas.microsoft.com/office/powerpoint/2010/main" val="2601300880"/>
       </p:ext>
     </p:extLst>
   </p:cSld>

--- a/share/后端开发模板.pptx
+++ b/share/后端开发模板.pptx
@@ -12,6 +12,8 @@
     <p:sldId id="259" r:id="rId6"/>
     <p:sldId id="262" r:id="rId7"/>
     <p:sldId id="261" r:id="rId8"/>
+    <p:sldId id="263" r:id="rId9"/>
+    <p:sldId id="264" r:id="rId10"/>
   </p:sldIdLst>
   <p:sldSz cx="12192000" cy="6858000"/>
   <p:notesSz cx="6858000" cy="9144000"/>
@@ -863,7 +865,7 @@
           <a:p>
             <a:fld id="{77AF6DA4-6098-451D-B5B8-0DF1CA58094A}" type="datetimeFigureOut">
               <a:rPr lang="zh-CN" altLang="en-US" smtClean="0"/>
-              <a:t>2020-03-02</a:t>
+              <a:t>2020-03-10</a:t>
             </a:fld>
             <a:endParaRPr lang="zh-CN" altLang="en-US"/>
           </a:p>
@@ -1114,7 +1116,7 @@
           <a:p>
             <a:fld id="{77AF6DA4-6098-451D-B5B8-0DF1CA58094A}" type="datetimeFigureOut">
               <a:rPr lang="zh-CN" altLang="en-US" smtClean="0"/>
-              <a:t>2020-03-02</a:t>
+              <a:t>2020-03-10</a:t>
             </a:fld>
             <a:endParaRPr lang="zh-CN" altLang="en-US"/>
           </a:p>
@@ -1428,7 +1430,7 @@
           <a:p>
             <a:fld id="{77AF6DA4-6098-451D-B5B8-0DF1CA58094A}" type="datetimeFigureOut">
               <a:rPr lang="zh-CN" altLang="en-US" smtClean="0"/>
-              <a:t>2020-03-02</a:t>
+              <a:t>2020-03-10</a:t>
             </a:fld>
             <a:endParaRPr lang="zh-CN" altLang="en-US"/>
           </a:p>
@@ -1761,7 +1763,7 @@
           <a:p>
             <a:fld id="{77AF6DA4-6098-451D-B5B8-0DF1CA58094A}" type="datetimeFigureOut">
               <a:rPr lang="zh-CN" altLang="en-US" smtClean="0"/>
-              <a:t>2020-03-02</a:t>
+              <a:t>2020-03-10</a:t>
             </a:fld>
             <a:endParaRPr lang="zh-CN" altLang="en-US"/>
           </a:p>
@@ -2075,7 +2077,7 @@
           <a:p>
             <a:fld id="{77AF6DA4-6098-451D-B5B8-0DF1CA58094A}" type="datetimeFigureOut">
               <a:rPr lang="zh-CN" altLang="en-US" smtClean="0"/>
-              <a:t>2020-03-02</a:t>
+              <a:t>2020-03-10</a:t>
             </a:fld>
             <a:endParaRPr lang="zh-CN" altLang="en-US"/>
           </a:p>
@@ -2468,7 +2470,7 @@
           <a:p>
             <a:fld id="{77AF6DA4-6098-451D-B5B8-0DF1CA58094A}" type="datetimeFigureOut">
               <a:rPr lang="zh-CN" altLang="en-US" smtClean="0"/>
-              <a:t>2020-03-02</a:t>
+              <a:t>2020-03-10</a:t>
             </a:fld>
             <a:endParaRPr lang="zh-CN" altLang="en-US"/>
           </a:p>
@@ -2638,7 +2640,7 @@
           <a:p>
             <a:fld id="{77AF6DA4-6098-451D-B5B8-0DF1CA58094A}" type="datetimeFigureOut">
               <a:rPr lang="zh-CN" altLang="en-US" smtClean="0"/>
-              <a:t>2020-03-02</a:t>
+              <a:t>2020-03-10</a:t>
             </a:fld>
             <a:endParaRPr lang="zh-CN" altLang="en-US"/>
           </a:p>
@@ -2818,7 +2820,7 @@
           <a:p>
             <a:fld id="{77AF6DA4-6098-451D-B5B8-0DF1CA58094A}" type="datetimeFigureOut">
               <a:rPr lang="zh-CN" altLang="en-US" smtClean="0"/>
-              <a:t>2020-03-02</a:t>
+              <a:t>2020-03-10</a:t>
             </a:fld>
             <a:endParaRPr lang="zh-CN" altLang="en-US"/>
           </a:p>
@@ -2988,7 +2990,7 @@
           <a:p>
             <a:fld id="{77AF6DA4-6098-451D-B5B8-0DF1CA58094A}" type="datetimeFigureOut">
               <a:rPr lang="zh-CN" altLang="en-US" smtClean="0"/>
-              <a:t>2020-03-02</a:t>
+              <a:t>2020-03-10</a:t>
             </a:fld>
             <a:endParaRPr lang="zh-CN" altLang="en-US"/>
           </a:p>
@@ -3235,7 +3237,7 @@
           <a:p>
             <a:fld id="{77AF6DA4-6098-451D-B5B8-0DF1CA58094A}" type="datetimeFigureOut">
               <a:rPr lang="zh-CN" altLang="en-US" smtClean="0"/>
-              <a:t>2020-03-02</a:t>
+              <a:t>2020-03-10</a:t>
             </a:fld>
             <a:endParaRPr lang="zh-CN" altLang="en-US"/>
           </a:p>
@@ -3467,7 +3469,7 @@
           <a:p>
             <a:fld id="{77AF6DA4-6098-451D-B5B8-0DF1CA58094A}" type="datetimeFigureOut">
               <a:rPr lang="zh-CN" altLang="en-US" smtClean="0"/>
-              <a:t>2020-03-02</a:t>
+              <a:t>2020-03-10</a:t>
             </a:fld>
             <a:endParaRPr lang="zh-CN" altLang="en-US"/>
           </a:p>
@@ -3841,7 +3843,7 @@
           <a:p>
             <a:fld id="{77AF6DA4-6098-451D-B5B8-0DF1CA58094A}" type="datetimeFigureOut">
               <a:rPr lang="zh-CN" altLang="en-US" smtClean="0"/>
-              <a:t>2020-03-02</a:t>
+              <a:t>2020-03-10</a:t>
             </a:fld>
             <a:endParaRPr lang="zh-CN" altLang="en-US"/>
           </a:p>
@@ -3964,7 +3966,7 @@
           <a:p>
             <a:fld id="{77AF6DA4-6098-451D-B5B8-0DF1CA58094A}" type="datetimeFigureOut">
               <a:rPr lang="zh-CN" altLang="en-US" smtClean="0"/>
-              <a:t>2020-03-02</a:t>
+              <a:t>2020-03-10</a:t>
             </a:fld>
             <a:endParaRPr lang="zh-CN" altLang="en-US"/>
           </a:p>
@@ -4059,7 +4061,7 @@
           <a:p>
             <a:fld id="{77AF6DA4-6098-451D-B5B8-0DF1CA58094A}" type="datetimeFigureOut">
               <a:rPr lang="zh-CN" altLang="en-US" smtClean="0"/>
-              <a:t>2020-03-02</a:t>
+              <a:t>2020-03-10</a:t>
             </a:fld>
             <a:endParaRPr lang="zh-CN" altLang="en-US"/>
           </a:p>
@@ -4314,7 +4316,7 @@
           <a:p>
             <a:fld id="{77AF6DA4-6098-451D-B5B8-0DF1CA58094A}" type="datetimeFigureOut">
               <a:rPr lang="zh-CN" altLang="en-US" smtClean="0"/>
-              <a:t>2020-03-02</a:t>
+              <a:t>2020-03-10</a:t>
             </a:fld>
             <a:endParaRPr lang="zh-CN" altLang="en-US"/>
           </a:p>
@@ -4619,7 +4621,7 @@
           <a:p>
             <a:fld id="{77AF6DA4-6098-451D-B5B8-0DF1CA58094A}" type="datetimeFigureOut">
               <a:rPr lang="zh-CN" altLang="en-US" smtClean="0"/>
-              <a:t>2020-03-02</a:t>
+              <a:t>2020-03-10</a:t>
             </a:fld>
             <a:endParaRPr lang="zh-CN" altLang="en-US"/>
           </a:p>
@@ -5321,7 +5323,7 @@
           <a:p>
             <a:fld id="{77AF6DA4-6098-451D-B5B8-0DF1CA58094A}" type="datetimeFigureOut">
               <a:rPr lang="zh-CN" altLang="en-US" smtClean="0"/>
-              <a:t>2020-03-02</a:t>
+              <a:t>2020-03-10</a:t>
             </a:fld>
             <a:endParaRPr lang="zh-CN" altLang="en-US"/>
           </a:p>
@@ -6008,11 +6010,7 @@
           <a:p>
             <a:r>
               <a:rPr lang="zh-CN" altLang="en-US" dirty="0" smtClean="0"/>
-              <a:t>是一套模板</a:t>
-            </a:r>
-            <a:r>
-              <a:rPr lang="zh-CN" altLang="en-US" dirty="0" smtClean="0"/>
-              <a:t>框架</a:t>
+              <a:t>是一套模板框架</a:t>
             </a:r>
             <a:endParaRPr lang="en-US" altLang="zh-CN" dirty="0" smtClean="0"/>
           </a:p>
@@ -6227,11 +6225,7 @@
             </a:r>
             <a:r>
               <a:rPr lang="zh-CN" altLang="en-US" smtClean="0"/>
-              <a:t>实现</a:t>
-            </a:r>
-            <a:r>
-              <a:rPr lang="zh-CN" altLang="en-US" smtClean="0"/>
-              <a:t>单机内存</a:t>
+              <a:t>实现单机内存</a:t>
             </a:r>
             <a:r>
               <a:rPr lang="zh-CN" altLang="en-US" dirty="0" smtClean="0"/>
@@ -6949,6 +6943,1411 @@
   <p:clrMapOvr>
     <a:masterClrMapping/>
   </p:clrMapOvr>
+</p:sld>
+</file>
+
+<file path=ppt/slides/slide8.xml><?xml version="1.0" encoding="utf-8"?>
+<p:sld xmlns:a="http://schemas.openxmlformats.org/drawingml/2006/main" xmlns:r="http://schemas.openxmlformats.org/officeDocument/2006/relationships" xmlns:p="http://schemas.openxmlformats.org/presentationml/2006/main">
+  <p:cSld>
+    <p:spTree>
+      <p:nvGrpSpPr>
+        <p:cNvPr id="1" name=""/>
+        <p:cNvGrpSpPr/>
+        <p:nvPr/>
+      </p:nvGrpSpPr>
+      <p:grpSpPr>
+        <a:xfrm>
+          <a:off x="0" y="0"/>
+          <a:ext cx="0" cy="0"/>
+          <a:chOff x="0" y="0"/>
+          <a:chExt cx="0" cy="0"/>
+        </a:xfrm>
+      </p:grpSpPr>
+      <p:sp>
+        <p:nvSpPr>
+          <p:cNvPr id="2" name="标题 1"/>
+          <p:cNvSpPr>
+            <a:spLocks noGrp="1"/>
+          </p:cNvSpPr>
+          <p:nvPr>
+            <p:ph type="title"/>
+          </p:nvPr>
+        </p:nvSpPr>
+        <p:spPr/>
+        <p:txBody>
+          <a:bodyPr/>
+          <a:lstStyle/>
+          <a:p>
+            <a:r>
+              <a:rPr lang="zh-CN" altLang="en-US" dirty="0" smtClean="0"/>
+              <a:t>登入模块</a:t>
+            </a:r>
+            <a:r>
+              <a:rPr lang="en-US" altLang="zh-CN" dirty="0" smtClean="0"/>
+              <a:t>-</a:t>
+            </a:r>
+            <a:r>
+              <a:rPr lang="zh-CN" altLang="en-US" dirty="0" smtClean="0"/>
+              <a:t>流程</a:t>
+            </a:r>
+            <a:endParaRPr lang="zh-CN" altLang="en-US" dirty="0"/>
+          </a:p>
+        </p:txBody>
+      </p:sp>
+      <p:sp>
+        <p:nvSpPr>
+          <p:cNvPr id="4" name="圆角矩形 3"/>
+          <p:cNvSpPr/>
+          <p:nvPr/>
+        </p:nvSpPr>
+        <p:spPr>
+          <a:xfrm>
+            <a:off x="799069" y="2020546"/>
+            <a:ext cx="1491050" cy="269573"/>
+          </a:xfrm>
+          <a:prstGeom prst="roundRect">
+            <a:avLst/>
+          </a:prstGeom>
+        </p:spPr>
+        <p:style>
+          <a:lnRef idx="2">
+            <a:schemeClr val="accent2">
+              <a:shade val="50000"/>
+            </a:schemeClr>
+          </a:lnRef>
+          <a:fillRef idx="1">
+            <a:schemeClr val="accent2"/>
+          </a:fillRef>
+          <a:effectRef idx="0">
+            <a:schemeClr val="accent2"/>
+          </a:effectRef>
+          <a:fontRef idx="minor">
+            <a:schemeClr val="lt1"/>
+          </a:fontRef>
+        </p:style>
+        <p:txBody>
+          <a:bodyPr rtlCol="0" anchor="ctr"/>
+          <a:lstStyle/>
+          <a:p>
+            <a:pPr algn="ctr"/>
+            <a:r>
+              <a:rPr lang="zh-CN" altLang="en-US" sz="1200" dirty="0" smtClean="0"/>
+              <a:t>获取用户名，密码</a:t>
+            </a:r>
+            <a:endParaRPr lang="zh-CN" altLang="en-US" sz="1200" dirty="0"/>
+          </a:p>
+        </p:txBody>
+      </p:sp>
+      <p:sp>
+        <p:nvSpPr>
+          <p:cNvPr id="5" name="圆角矩形 4"/>
+          <p:cNvSpPr/>
+          <p:nvPr/>
+        </p:nvSpPr>
+        <p:spPr>
+          <a:xfrm>
+            <a:off x="2829696" y="2020546"/>
+            <a:ext cx="1491050" cy="269573"/>
+          </a:xfrm>
+          <a:prstGeom prst="roundRect">
+            <a:avLst/>
+          </a:prstGeom>
+        </p:spPr>
+        <p:style>
+          <a:lnRef idx="2">
+            <a:schemeClr val="accent2">
+              <a:shade val="50000"/>
+            </a:schemeClr>
+          </a:lnRef>
+          <a:fillRef idx="1">
+            <a:schemeClr val="accent2"/>
+          </a:fillRef>
+          <a:effectRef idx="0">
+            <a:schemeClr val="accent2"/>
+          </a:effectRef>
+          <a:fontRef idx="minor">
+            <a:schemeClr val="lt1"/>
+          </a:fontRef>
+        </p:style>
+        <p:txBody>
+          <a:bodyPr rtlCol="0" anchor="ctr"/>
+          <a:lstStyle/>
+          <a:p>
+            <a:pPr algn="ctr"/>
+            <a:r>
+              <a:rPr lang="zh-CN" altLang="en-US" sz="1200" dirty="0" smtClean="0"/>
+              <a:t>检测用户名、密码是否为空</a:t>
+            </a:r>
+            <a:endParaRPr lang="zh-CN" altLang="en-US" sz="1200" dirty="0"/>
+          </a:p>
+        </p:txBody>
+      </p:sp>
+      <p:sp>
+        <p:nvSpPr>
+          <p:cNvPr id="6" name="圆角矩形 5"/>
+          <p:cNvSpPr/>
+          <p:nvPr/>
+        </p:nvSpPr>
+        <p:spPr>
+          <a:xfrm>
+            <a:off x="2829696" y="2761951"/>
+            <a:ext cx="1491050" cy="269573"/>
+          </a:xfrm>
+          <a:prstGeom prst="roundRect">
+            <a:avLst/>
+          </a:prstGeom>
+        </p:spPr>
+        <p:style>
+          <a:lnRef idx="2">
+            <a:schemeClr val="accent2">
+              <a:shade val="50000"/>
+            </a:schemeClr>
+          </a:lnRef>
+          <a:fillRef idx="1">
+            <a:schemeClr val="accent2"/>
+          </a:fillRef>
+          <a:effectRef idx="0">
+            <a:schemeClr val="accent2"/>
+          </a:effectRef>
+          <a:fontRef idx="minor">
+            <a:schemeClr val="lt1"/>
+          </a:fontRef>
+        </p:style>
+        <p:txBody>
+          <a:bodyPr rtlCol="0" anchor="ctr"/>
+          <a:lstStyle/>
+          <a:p>
+            <a:pPr algn="ctr"/>
+            <a:r>
+              <a:rPr lang="zh-CN" altLang="en-US" sz="1200" dirty="0" smtClean="0"/>
+              <a:t>用户名在线，踢出</a:t>
+            </a:r>
+            <a:endParaRPr lang="zh-CN" altLang="en-US" sz="1200" dirty="0"/>
+          </a:p>
+        </p:txBody>
+      </p:sp>
+      <p:cxnSp>
+        <p:nvCxnSpPr>
+          <p:cNvPr id="8" name="直接箭头连接符 7"/>
+          <p:cNvCxnSpPr>
+            <a:stCxn id="4" idx="3"/>
+            <a:endCxn id="5" idx="1"/>
+          </p:cNvCxnSpPr>
+          <p:nvPr/>
+        </p:nvCxnSpPr>
+        <p:spPr>
+          <a:xfrm>
+            <a:off x="2290119" y="2155333"/>
+            <a:ext cx="539577" cy="0"/>
+          </a:xfrm>
+          <a:prstGeom prst="straightConnector1">
+            <a:avLst/>
+          </a:prstGeom>
+          <a:ln>
+            <a:tailEnd type="triangle"/>
+          </a:ln>
+        </p:spPr>
+        <p:style>
+          <a:lnRef idx="1">
+            <a:schemeClr val="accent1"/>
+          </a:lnRef>
+          <a:fillRef idx="0">
+            <a:schemeClr val="accent1"/>
+          </a:fillRef>
+          <a:effectRef idx="0">
+            <a:schemeClr val="accent1"/>
+          </a:effectRef>
+          <a:fontRef idx="minor">
+            <a:schemeClr val="tx1"/>
+          </a:fontRef>
+        </p:style>
+      </p:cxnSp>
+      <p:cxnSp>
+        <p:nvCxnSpPr>
+          <p:cNvPr id="10" name="直接箭头连接符 9"/>
+          <p:cNvCxnSpPr>
+            <a:stCxn id="5" idx="2"/>
+            <a:endCxn id="6" idx="0"/>
+          </p:cNvCxnSpPr>
+          <p:nvPr/>
+        </p:nvCxnSpPr>
+        <p:spPr>
+          <a:xfrm>
+            <a:off x="3575221" y="2290119"/>
+            <a:ext cx="0" cy="471832"/>
+          </a:xfrm>
+          <a:prstGeom prst="straightConnector1">
+            <a:avLst/>
+          </a:prstGeom>
+          <a:ln>
+            <a:tailEnd type="triangle"/>
+          </a:ln>
+        </p:spPr>
+        <p:style>
+          <a:lnRef idx="1">
+            <a:schemeClr val="accent1"/>
+          </a:lnRef>
+          <a:fillRef idx="0">
+            <a:schemeClr val="accent1"/>
+          </a:fillRef>
+          <a:effectRef idx="0">
+            <a:schemeClr val="accent1"/>
+          </a:effectRef>
+          <a:fontRef idx="minor">
+            <a:schemeClr val="tx1"/>
+          </a:fontRef>
+        </p:style>
+      </p:cxnSp>
+      <p:sp>
+        <p:nvSpPr>
+          <p:cNvPr id="11" name="文本框 10"/>
+          <p:cNvSpPr txBox="1"/>
+          <p:nvPr/>
+        </p:nvSpPr>
+        <p:spPr>
+          <a:xfrm>
+            <a:off x="3506838" y="2399251"/>
+            <a:ext cx="441146" cy="246221"/>
+          </a:xfrm>
+          <a:prstGeom prst="rect">
+            <a:avLst/>
+          </a:prstGeom>
+          <a:noFill/>
+        </p:spPr>
+        <p:txBody>
+          <a:bodyPr wrap="none" rtlCol="0">
+            <a:spAutoFit/>
+          </a:bodyPr>
+          <a:lstStyle/>
+          <a:p>
+            <a:r>
+              <a:rPr lang="zh-CN" altLang="en-US" sz="1000" dirty="0" smtClean="0">
+                <a:solidFill>
+                  <a:schemeClr val="accent4"/>
+                </a:solidFill>
+              </a:rPr>
+              <a:t>正常</a:t>
+            </a:r>
+            <a:endParaRPr lang="zh-CN" altLang="en-US" sz="1000" dirty="0">
+              <a:solidFill>
+                <a:schemeClr val="accent4"/>
+              </a:solidFill>
+            </a:endParaRPr>
+          </a:p>
+        </p:txBody>
+      </p:sp>
+      <p:sp>
+        <p:nvSpPr>
+          <p:cNvPr id="14" name="文本框 13"/>
+          <p:cNvSpPr txBox="1"/>
+          <p:nvPr/>
+        </p:nvSpPr>
+        <p:spPr>
+          <a:xfrm>
+            <a:off x="4472935" y="1919756"/>
+            <a:ext cx="441146" cy="246221"/>
+          </a:xfrm>
+          <a:prstGeom prst="rect">
+            <a:avLst/>
+          </a:prstGeom>
+          <a:noFill/>
+        </p:spPr>
+        <p:txBody>
+          <a:bodyPr wrap="none" rtlCol="0">
+            <a:spAutoFit/>
+          </a:bodyPr>
+          <a:lstStyle/>
+          <a:p>
+            <a:r>
+              <a:rPr lang="zh-CN" altLang="en-US" sz="1000" dirty="0" smtClean="0">
+                <a:solidFill>
+                  <a:srgbClr val="C00000"/>
+                </a:solidFill>
+              </a:rPr>
+              <a:t>异常</a:t>
+            </a:r>
+            <a:endParaRPr lang="zh-CN" altLang="en-US" sz="1000" dirty="0">
+              <a:solidFill>
+                <a:srgbClr val="C00000"/>
+              </a:solidFill>
+            </a:endParaRPr>
+          </a:p>
+        </p:txBody>
+      </p:sp>
+      <p:sp>
+        <p:nvSpPr>
+          <p:cNvPr id="15" name="圆角矩形 14"/>
+          <p:cNvSpPr/>
+          <p:nvPr/>
+        </p:nvSpPr>
+        <p:spPr>
+          <a:xfrm>
+            <a:off x="5066271" y="2020546"/>
+            <a:ext cx="1491050" cy="269573"/>
+          </a:xfrm>
+          <a:prstGeom prst="roundRect">
+            <a:avLst/>
+          </a:prstGeom>
+        </p:spPr>
+        <p:style>
+          <a:lnRef idx="2">
+            <a:schemeClr val="accent2">
+              <a:shade val="50000"/>
+            </a:schemeClr>
+          </a:lnRef>
+          <a:fillRef idx="1">
+            <a:schemeClr val="accent2"/>
+          </a:fillRef>
+          <a:effectRef idx="0">
+            <a:schemeClr val="accent2"/>
+          </a:effectRef>
+          <a:fontRef idx="minor">
+            <a:schemeClr val="lt1"/>
+          </a:fontRef>
+        </p:style>
+        <p:txBody>
+          <a:bodyPr rtlCol="0" anchor="ctr"/>
+          <a:lstStyle/>
+          <a:p>
+            <a:pPr algn="ctr"/>
+            <a:r>
+              <a:rPr lang="zh-CN" altLang="en-US" sz="1200" dirty="0" smtClean="0"/>
+              <a:t>返回检验失败</a:t>
+            </a:r>
+            <a:endParaRPr lang="zh-CN" altLang="en-US" sz="1200" dirty="0"/>
+          </a:p>
+        </p:txBody>
+      </p:sp>
+      <p:cxnSp>
+        <p:nvCxnSpPr>
+          <p:cNvPr id="16" name="直接箭头连接符 15"/>
+          <p:cNvCxnSpPr>
+            <a:endCxn id="15" idx="1"/>
+          </p:cNvCxnSpPr>
+          <p:nvPr/>
+        </p:nvCxnSpPr>
+        <p:spPr>
+          <a:xfrm>
+            <a:off x="4320746" y="2155332"/>
+            <a:ext cx="745525" cy="1"/>
+          </a:xfrm>
+          <a:prstGeom prst="straightConnector1">
+            <a:avLst/>
+          </a:prstGeom>
+          <a:ln>
+            <a:tailEnd type="triangle"/>
+          </a:ln>
+        </p:spPr>
+        <p:style>
+          <a:lnRef idx="1">
+            <a:schemeClr val="accent1"/>
+          </a:lnRef>
+          <a:fillRef idx="0">
+            <a:schemeClr val="accent1"/>
+          </a:fillRef>
+          <a:effectRef idx="0">
+            <a:schemeClr val="accent1"/>
+          </a:effectRef>
+          <a:fontRef idx="minor">
+            <a:schemeClr val="tx1"/>
+          </a:fontRef>
+        </p:style>
+      </p:cxnSp>
+      <p:sp>
+        <p:nvSpPr>
+          <p:cNvPr id="18" name="圆角矩形 17"/>
+          <p:cNvSpPr/>
+          <p:nvPr/>
+        </p:nvSpPr>
+        <p:spPr>
+          <a:xfrm>
+            <a:off x="5078627" y="5748167"/>
+            <a:ext cx="1491050" cy="269573"/>
+          </a:xfrm>
+          <a:prstGeom prst="roundRect">
+            <a:avLst/>
+          </a:prstGeom>
+        </p:spPr>
+        <p:style>
+          <a:lnRef idx="2">
+            <a:schemeClr val="accent2">
+              <a:shade val="50000"/>
+            </a:schemeClr>
+          </a:lnRef>
+          <a:fillRef idx="1">
+            <a:schemeClr val="accent2"/>
+          </a:fillRef>
+          <a:effectRef idx="0">
+            <a:schemeClr val="accent2"/>
+          </a:effectRef>
+          <a:fontRef idx="minor">
+            <a:schemeClr val="lt1"/>
+          </a:fontRef>
+        </p:style>
+        <p:txBody>
+          <a:bodyPr rtlCol="0" anchor="ctr"/>
+          <a:lstStyle/>
+          <a:p>
+            <a:pPr algn="ctr"/>
+            <a:r>
+              <a:rPr lang="zh-CN" altLang="en-US" sz="1200" dirty="0" smtClean="0"/>
+              <a:t>结束</a:t>
+            </a:r>
+            <a:endParaRPr lang="zh-CN" altLang="en-US" sz="1200" dirty="0"/>
+          </a:p>
+        </p:txBody>
+      </p:sp>
+      <p:cxnSp>
+        <p:nvCxnSpPr>
+          <p:cNvPr id="20" name="直接箭头连接符 19"/>
+          <p:cNvCxnSpPr>
+            <a:stCxn id="15" idx="2"/>
+          </p:cNvCxnSpPr>
+          <p:nvPr/>
+        </p:nvCxnSpPr>
+        <p:spPr>
+          <a:xfrm>
+            <a:off x="5811796" y="2290119"/>
+            <a:ext cx="0" cy="3458048"/>
+          </a:xfrm>
+          <a:prstGeom prst="straightConnector1">
+            <a:avLst/>
+          </a:prstGeom>
+          <a:ln>
+            <a:tailEnd type="triangle"/>
+          </a:ln>
+        </p:spPr>
+        <p:style>
+          <a:lnRef idx="1">
+            <a:schemeClr val="accent1"/>
+          </a:lnRef>
+          <a:fillRef idx="0">
+            <a:schemeClr val="accent1"/>
+          </a:fillRef>
+          <a:effectRef idx="0">
+            <a:schemeClr val="accent1"/>
+          </a:effectRef>
+          <a:fontRef idx="minor">
+            <a:schemeClr val="tx1"/>
+          </a:fontRef>
+        </p:style>
+      </p:cxnSp>
+      <p:sp>
+        <p:nvSpPr>
+          <p:cNvPr id="21" name="圆角矩形 20"/>
+          <p:cNvSpPr/>
+          <p:nvPr/>
+        </p:nvSpPr>
+        <p:spPr>
+          <a:xfrm>
+            <a:off x="799069" y="2758773"/>
+            <a:ext cx="1491050" cy="269573"/>
+          </a:xfrm>
+          <a:prstGeom prst="roundRect">
+            <a:avLst/>
+          </a:prstGeom>
+        </p:spPr>
+        <p:style>
+          <a:lnRef idx="2">
+            <a:schemeClr val="accent2">
+              <a:shade val="50000"/>
+            </a:schemeClr>
+          </a:lnRef>
+          <a:fillRef idx="1">
+            <a:schemeClr val="accent2"/>
+          </a:fillRef>
+          <a:effectRef idx="0">
+            <a:schemeClr val="accent2"/>
+          </a:effectRef>
+          <a:fontRef idx="minor">
+            <a:schemeClr val="lt1"/>
+          </a:fontRef>
+        </p:style>
+        <p:txBody>
+          <a:bodyPr rtlCol="0" anchor="ctr"/>
+          <a:lstStyle/>
+          <a:p>
+            <a:pPr algn="ctr"/>
+            <a:r>
+              <a:rPr lang="zh-CN" altLang="en-US" sz="1200" dirty="0" smtClean="0"/>
+              <a:t>从仓储层获取用户</a:t>
+            </a:r>
+            <a:endParaRPr lang="zh-CN" altLang="en-US" sz="1200" dirty="0"/>
+          </a:p>
+        </p:txBody>
+      </p:sp>
+      <p:sp>
+        <p:nvSpPr>
+          <p:cNvPr id="22" name="圆角矩形 21"/>
+          <p:cNvSpPr/>
+          <p:nvPr/>
+        </p:nvSpPr>
+        <p:spPr>
+          <a:xfrm>
+            <a:off x="799069" y="3569710"/>
+            <a:ext cx="1491050" cy="269573"/>
+          </a:xfrm>
+          <a:prstGeom prst="roundRect">
+            <a:avLst/>
+          </a:prstGeom>
+        </p:spPr>
+        <p:style>
+          <a:lnRef idx="2">
+            <a:schemeClr val="accent2">
+              <a:shade val="50000"/>
+            </a:schemeClr>
+          </a:lnRef>
+          <a:fillRef idx="1">
+            <a:schemeClr val="accent2"/>
+          </a:fillRef>
+          <a:effectRef idx="0">
+            <a:schemeClr val="accent2"/>
+          </a:effectRef>
+          <a:fontRef idx="minor">
+            <a:schemeClr val="lt1"/>
+          </a:fontRef>
+        </p:style>
+        <p:txBody>
+          <a:bodyPr rtlCol="0" anchor="ctr"/>
+          <a:lstStyle/>
+          <a:p>
+            <a:pPr algn="ctr"/>
+            <a:r>
+              <a:rPr lang="zh-CN" altLang="en-US" sz="1200" dirty="0" smtClean="0"/>
+              <a:t>判断密码是否匹配</a:t>
+            </a:r>
+            <a:endParaRPr lang="zh-CN" altLang="en-US" sz="1200" dirty="0"/>
+          </a:p>
+        </p:txBody>
+      </p:sp>
+      <p:sp>
+        <p:nvSpPr>
+          <p:cNvPr id="23" name="圆角矩形 22"/>
+          <p:cNvSpPr/>
+          <p:nvPr/>
+        </p:nvSpPr>
+        <p:spPr>
+          <a:xfrm>
+            <a:off x="807306" y="4300416"/>
+            <a:ext cx="1491050" cy="269573"/>
+          </a:xfrm>
+          <a:prstGeom prst="roundRect">
+            <a:avLst/>
+          </a:prstGeom>
+        </p:spPr>
+        <p:style>
+          <a:lnRef idx="2">
+            <a:schemeClr val="accent2">
+              <a:shade val="50000"/>
+            </a:schemeClr>
+          </a:lnRef>
+          <a:fillRef idx="1">
+            <a:schemeClr val="accent2"/>
+          </a:fillRef>
+          <a:effectRef idx="0">
+            <a:schemeClr val="accent2"/>
+          </a:effectRef>
+          <a:fontRef idx="minor">
+            <a:schemeClr val="lt1"/>
+          </a:fontRef>
+        </p:style>
+        <p:txBody>
+          <a:bodyPr rtlCol="0" anchor="ctr"/>
+          <a:lstStyle/>
+          <a:p>
+            <a:pPr algn="ctr"/>
+            <a:r>
+              <a:rPr lang="zh-CN" altLang="en-US" sz="1200" dirty="0" smtClean="0"/>
+              <a:t>创建在线用户实例</a:t>
+            </a:r>
+            <a:endParaRPr lang="zh-CN" altLang="en-US" sz="1200" dirty="0"/>
+          </a:p>
+        </p:txBody>
+      </p:sp>
+      <p:sp>
+        <p:nvSpPr>
+          <p:cNvPr id="24" name="圆角矩形 23"/>
+          <p:cNvSpPr/>
+          <p:nvPr/>
+        </p:nvSpPr>
+        <p:spPr>
+          <a:xfrm>
+            <a:off x="799069" y="4995762"/>
+            <a:ext cx="1491050" cy="269573"/>
+          </a:xfrm>
+          <a:prstGeom prst="roundRect">
+            <a:avLst/>
+          </a:prstGeom>
+        </p:spPr>
+        <p:style>
+          <a:lnRef idx="2">
+            <a:schemeClr val="accent2">
+              <a:shade val="50000"/>
+            </a:schemeClr>
+          </a:lnRef>
+          <a:fillRef idx="1">
+            <a:schemeClr val="accent2"/>
+          </a:fillRef>
+          <a:effectRef idx="0">
+            <a:schemeClr val="accent2"/>
+          </a:effectRef>
+          <a:fontRef idx="minor">
+            <a:schemeClr val="lt1"/>
+          </a:fontRef>
+        </p:style>
+        <p:txBody>
+          <a:bodyPr rtlCol="0" anchor="ctr"/>
+          <a:lstStyle/>
+          <a:p>
+            <a:pPr algn="ctr"/>
+            <a:r>
+              <a:rPr lang="zh-CN" altLang="en-US" sz="1200" dirty="0" smtClean="0"/>
+              <a:t>添加至在线用户列表</a:t>
+            </a:r>
+            <a:endParaRPr lang="zh-CN" altLang="en-US" sz="1200" dirty="0"/>
+          </a:p>
+        </p:txBody>
+      </p:sp>
+      <p:sp>
+        <p:nvSpPr>
+          <p:cNvPr id="25" name="圆角矩形 24"/>
+          <p:cNvSpPr/>
+          <p:nvPr/>
+        </p:nvSpPr>
+        <p:spPr>
+          <a:xfrm>
+            <a:off x="799069" y="5748167"/>
+            <a:ext cx="1491050" cy="269573"/>
+          </a:xfrm>
+          <a:prstGeom prst="roundRect">
+            <a:avLst/>
+          </a:prstGeom>
+        </p:spPr>
+        <p:style>
+          <a:lnRef idx="2">
+            <a:schemeClr val="accent2">
+              <a:shade val="50000"/>
+            </a:schemeClr>
+          </a:lnRef>
+          <a:fillRef idx="1">
+            <a:schemeClr val="accent2"/>
+          </a:fillRef>
+          <a:effectRef idx="0">
+            <a:schemeClr val="accent2"/>
+          </a:effectRef>
+          <a:fontRef idx="minor">
+            <a:schemeClr val="lt1"/>
+          </a:fontRef>
+        </p:style>
+        <p:txBody>
+          <a:bodyPr rtlCol="0" anchor="ctr"/>
+          <a:lstStyle/>
+          <a:p>
+            <a:pPr algn="ctr"/>
+            <a:r>
+              <a:rPr lang="zh-CN" altLang="en-US" sz="1200" dirty="0" smtClean="0"/>
+              <a:t>返回</a:t>
+            </a:r>
+            <a:r>
+              <a:rPr lang="en-US" altLang="zh-CN" sz="1200" dirty="0" smtClean="0"/>
+              <a:t>token+</a:t>
+            </a:r>
+            <a:r>
+              <a:rPr lang="zh-CN" altLang="en-US" sz="1200" dirty="0" smtClean="0"/>
+              <a:t>用户信息</a:t>
+            </a:r>
+            <a:endParaRPr lang="zh-CN" altLang="en-US" sz="1200" dirty="0"/>
+          </a:p>
+        </p:txBody>
+      </p:sp>
+      <p:cxnSp>
+        <p:nvCxnSpPr>
+          <p:cNvPr id="27" name="直接箭头连接符 26"/>
+          <p:cNvCxnSpPr>
+            <a:stCxn id="6" idx="1"/>
+            <a:endCxn id="21" idx="3"/>
+          </p:cNvCxnSpPr>
+          <p:nvPr/>
+        </p:nvCxnSpPr>
+        <p:spPr>
+          <a:xfrm flipH="1" flipV="1">
+            <a:off x="2290119" y="2893560"/>
+            <a:ext cx="539577" cy="3178"/>
+          </a:xfrm>
+          <a:prstGeom prst="straightConnector1">
+            <a:avLst/>
+          </a:prstGeom>
+          <a:ln>
+            <a:tailEnd type="triangle"/>
+          </a:ln>
+        </p:spPr>
+        <p:style>
+          <a:lnRef idx="1">
+            <a:schemeClr val="accent1"/>
+          </a:lnRef>
+          <a:fillRef idx="0">
+            <a:schemeClr val="accent1"/>
+          </a:fillRef>
+          <a:effectRef idx="0">
+            <a:schemeClr val="accent1"/>
+          </a:effectRef>
+          <a:fontRef idx="minor">
+            <a:schemeClr val="tx1"/>
+          </a:fontRef>
+        </p:style>
+      </p:cxnSp>
+      <p:cxnSp>
+        <p:nvCxnSpPr>
+          <p:cNvPr id="30" name="直接箭头连接符 29"/>
+          <p:cNvCxnSpPr>
+            <a:stCxn id="21" idx="2"/>
+            <a:endCxn id="22" idx="0"/>
+          </p:cNvCxnSpPr>
+          <p:nvPr/>
+        </p:nvCxnSpPr>
+        <p:spPr>
+          <a:xfrm>
+            <a:off x="1544594" y="3028346"/>
+            <a:ext cx="0" cy="541364"/>
+          </a:xfrm>
+          <a:prstGeom prst="straightConnector1">
+            <a:avLst/>
+          </a:prstGeom>
+          <a:ln>
+            <a:tailEnd type="triangle"/>
+          </a:ln>
+        </p:spPr>
+        <p:style>
+          <a:lnRef idx="1">
+            <a:schemeClr val="accent1"/>
+          </a:lnRef>
+          <a:fillRef idx="0">
+            <a:schemeClr val="accent1"/>
+          </a:fillRef>
+          <a:effectRef idx="0">
+            <a:schemeClr val="accent1"/>
+          </a:effectRef>
+          <a:fontRef idx="minor">
+            <a:schemeClr val="tx1"/>
+          </a:fontRef>
+        </p:style>
+      </p:cxnSp>
+      <p:cxnSp>
+        <p:nvCxnSpPr>
+          <p:cNvPr id="31" name="直接箭头连接符 30"/>
+          <p:cNvCxnSpPr/>
+          <p:nvPr/>
+        </p:nvCxnSpPr>
+        <p:spPr>
+          <a:xfrm>
+            <a:off x="1552831" y="3839283"/>
+            <a:ext cx="0" cy="541364"/>
+          </a:xfrm>
+          <a:prstGeom prst="straightConnector1">
+            <a:avLst/>
+          </a:prstGeom>
+          <a:ln>
+            <a:tailEnd type="triangle"/>
+          </a:ln>
+        </p:spPr>
+        <p:style>
+          <a:lnRef idx="1">
+            <a:schemeClr val="accent1"/>
+          </a:lnRef>
+          <a:fillRef idx="0">
+            <a:schemeClr val="accent1"/>
+          </a:fillRef>
+          <a:effectRef idx="0">
+            <a:schemeClr val="accent1"/>
+          </a:effectRef>
+          <a:fontRef idx="minor">
+            <a:schemeClr val="tx1"/>
+          </a:fontRef>
+        </p:style>
+      </p:cxnSp>
+      <p:cxnSp>
+        <p:nvCxnSpPr>
+          <p:cNvPr id="32" name="直接箭头连接符 31"/>
+          <p:cNvCxnSpPr>
+            <a:stCxn id="23" idx="2"/>
+            <a:endCxn id="24" idx="0"/>
+          </p:cNvCxnSpPr>
+          <p:nvPr/>
+        </p:nvCxnSpPr>
+        <p:spPr>
+          <a:xfrm flipH="1">
+            <a:off x="1544594" y="4569989"/>
+            <a:ext cx="8237" cy="425773"/>
+          </a:xfrm>
+          <a:prstGeom prst="straightConnector1">
+            <a:avLst/>
+          </a:prstGeom>
+          <a:ln>
+            <a:tailEnd type="triangle"/>
+          </a:ln>
+        </p:spPr>
+        <p:style>
+          <a:lnRef idx="1">
+            <a:schemeClr val="accent1"/>
+          </a:lnRef>
+          <a:fillRef idx="0">
+            <a:schemeClr val="accent1"/>
+          </a:fillRef>
+          <a:effectRef idx="0">
+            <a:schemeClr val="accent1"/>
+          </a:effectRef>
+          <a:fontRef idx="minor">
+            <a:schemeClr val="tx1"/>
+          </a:fontRef>
+        </p:style>
+      </p:cxnSp>
+      <p:cxnSp>
+        <p:nvCxnSpPr>
+          <p:cNvPr id="34" name="直接箭头连接符 33"/>
+          <p:cNvCxnSpPr>
+            <a:stCxn id="24" idx="2"/>
+            <a:endCxn id="25" idx="0"/>
+          </p:cNvCxnSpPr>
+          <p:nvPr/>
+        </p:nvCxnSpPr>
+        <p:spPr>
+          <a:xfrm>
+            <a:off x="1544594" y="5265335"/>
+            <a:ext cx="0" cy="482832"/>
+          </a:xfrm>
+          <a:prstGeom prst="straightConnector1">
+            <a:avLst/>
+          </a:prstGeom>
+          <a:ln>
+            <a:tailEnd type="triangle"/>
+          </a:ln>
+        </p:spPr>
+        <p:style>
+          <a:lnRef idx="1">
+            <a:schemeClr val="accent1"/>
+          </a:lnRef>
+          <a:fillRef idx="0">
+            <a:schemeClr val="accent1"/>
+          </a:fillRef>
+          <a:effectRef idx="0">
+            <a:schemeClr val="accent1"/>
+          </a:effectRef>
+          <a:fontRef idx="minor">
+            <a:schemeClr val="tx1"/>
+          </a:fontRef>
+        </p:style>
+      </p:cxnSp>
+      <p:sp>
+        <p:nvSpPr>
+          <p:cNvPr id="41" name="文本框 40"/>
+          <p:cNvSpPr txBox="1"/>
+          <p:nvPr/>
+        </p:nvSpPr>
+        <p:spPr>
+          <a:xfrm>
+            <a:off x="1179649" y="3188702"/>
+            <a:ext cx="441146" cy="246221"/>
+          </a:xfrm>
+          <a:prstGeom prst="rect">
+            <a:avLst/>
+          </a:prstGeom>
+          <a:noFill/>
+        </p:spPr>
+        <p:txBody>
+          <a:bodyPr wrap="none" rtlCol="0">
+            <a:spAutoFit/>
+          </a:bodyPr>
+          <a:lstStyle/>
+          <a:p>
+            <a:r>
+              <a:rPr lang="zh-CN" altLang="en-US" sz="1000" dirty="0" smtClean="0">
+                <a:solidFill>
+                  <a:schemeClr val="accent4"/>
+                </a:solidFill>
+              </a:rPr>
+              <a:t>正常</a:t>
+            </a:r>
+            <a:endParaRPr lang="zh-CN" altLang="en-US" sz="1000" dirty="0">
+              <a:solidFill>
+                <a:schemeClr val="accent4"/>
+              </a:solidFill>
+            </a:endParaRPr>
+          </a:p>
+        </p:txBody>
+      </p:sp>
+      <p:sp>
+        <p:nvSpPr>
+          <p:cNvPr id="42" name="文本框 41"/>
+          <p:cNvSpPr txBox="1"/>
+          <p:nvPr/>
+        </p:nvSpPr>
+        <p:spPr>
+          <a:xfrm>
+            <a:off x="1179649" y="3938604"/>
+            <a:ext cx="441146" cy="246221"/>
+          </a:xfrm>
+          <a:prstGeom prst="rect">
+            <a:avLst/>
+          </a:prstGeom>
+          <a:noFill/>
+        </p:spPr>
+        <p:txBody>
+          <a:bodyPr wrap="none" rtlCol="0">
+            <a:spAutoFit/>
+          </a:bodyPr>
+          <a:lstStyle/>
+          <a:p>
+            <a:r>
+              <a:rPr lang="zh-CN" altLang="en-US" sz="1000" dirty="0" smtClean="0">
+                <a:solidFill>
+                  <a:schemeClr val="accent4"/>
+                </a:solidFill>
+              </a:rPr>
+              <a:t>正常</a:t>
+            </a:r>
+            <a:endParaRPr lang="zh-CN" altLang="en-US" sz="1000" dirty="0">
+              <a:solidFill>
+                <a:schemeClr val="accent4"/>
+              </a:solidFill>
+            </a:endParaRPr>
+          </a:p>
+        </p:txBody>
+      </p:sp>
+      <p:sp>
+        <p:nvSpPr>
+          <p:cNvPr id="43" name="圆角矩形 42"/>
+          <p:cNvSpPr/>
+          <p:nvPr/>
+        </p:nvSpPr>
+        <p:spPr>
+          <a:xfrm>
+            <a:off x="2829696" y="3565359"/>
+            <a:ext cx="1491050" cy="269573"/>
+          </a:xfrm>
+          <a:prstGeom prst="roundRect">
+            <a:avLst/>
+          </a:prstGeom>
+        </p:spPr>
+        <p:style>
+          <a:lnRef idx="2">
+            <a:schemeClr val="accent2">
+              <a:shade val="50000"/>
+            </a:schemeClr>
+          </a:lnRef>
+          <a:fillRef idx="1">
+            <a:schemeClr val="accent2"/>
+          </a:fillRef>
+          <a:effectRef idx="0">
+            <a:schemeClr val="accent2"/>
+          </a:effectRef>
+          <a:fontRef idx="minor">
+            <a:schemeClr val="lt1"/>
+          </a:fontRef>
+        </p:style>
+        <p:txBody>
+          <a:bodyPr rtlCol="0" anchor="ctr"/>
+          <a:lstStyle/>
+          <a:p>
+            <a:pPr algn="ctr"/>
+            <a:r>
+              <a:rPr lang="zh-CN" altLang="en-US" sz="1200" dirty="0" smtClean="0"/>
+              <a:t>返回未能找此用户</a:t>
+            </a:r>
+            <a:endParaRPr lang="zh-CN" altLang="en-US" sz="1200" dirty="0"/>
+          </a:p>
+        </p:txBody>
+      </p:sp>
+      <p:cxnSp>
+        <p:nvCxnSpPr>
+          <p:cNvPr id="49" name="肘形连接符 48"/>
+          <p:cNvCxnSpPr>
+            <a:endCxn id="43" idx="1"/>
+          </p:cNvCxnSpPr>
+          <p:nvPr/>
+        </p:nvCxnSpPr>
+        <p:spPr>
+          <a:xfrm rot="16200000" flipH="1">
+            <a:off x="2333655" y="3204105"/>
+            <a:ext cx="799056" cy="193026"/>
+          </a:xfrm>
+          <a:prstGeom prst="bentConnector2">
+            <a:avLst/>
+          </a:prstGeom>
+          <a:ln>
+            <a:tailEnd type="triangle"/>
+          </a:ln>
+        </p:spPr>
+        <p:style>
+          <a:lnRef idx="1">
+            <a:schemeClr val="accent1"/>
+          </a:lnRef>
+          <a:fillRef idx="0">
+            <a:schemeClr val="accent1"/>
+          </a:fillRef>
+          <a:effectRef idx="0">
+            <a:schemeClr val="accent1"/>
+          </a:effectRef>
+          <a:fontRef idx="minor">
+            <a:schemeClr val="tx1"/>
+          </a:fontRef>
+        </p:style>
+      </p:cxnSp>
+      <p:sp>
+        <p:nvSpPr>
+          <p:cNvPr id="50" name="文本框 49"/>
+          <p:cNvSpPr txBox="1"/>
+          <p:nvPr/>
+        </p:nvSpPr>
+        <p:spPr>
+          <a:xfrm>
+            <a:off x="2512610" y="3102424"/>
+            <a:ext cx="441146" cy="246221"/>
+          </a:xfrm>
+          <a:prstGeom prst="rect">
+            <a:avLst/>
+          </a:prstGeom>
+          <a:noFill/>
+        </p:spPr>
+        <p:txBody>
+          <a:bodyPr wrap="none" rtlCol="0">
+            <a:spAutoFit/>
+          </a:bodyPr>
+          <a:lstStyle/>
+          <a:p>
+            <a:r>
+              <a:rPr lang="zh-CN" altLang="en-US" sz="1000" dirty="0" smtClean="0">
+                <a:solidFill>
+                  <a:srgbClr val="C00000"/>
+                </a:solidFill>
+              </a:rPr>
+              <a:t>异常</a:t>
+            </a:r>
+            <a:endParaRPr lang="zh-CN" altLang="en-US" sz="1000" dirty="0">
+              <a:solidFill>
+                <a:srgbClr val="C00000"/>
+              </a:solidFill>
+            </a:endParaRPr>
+          </a:p>
+        </p:txBody>
+      </p:sp>
+      <p:sp>
+        <p:nvSpPr>
+          <p:cNvPr id="51" name="圆角矩形 50"/>
+          <p:cNvSpPr/>
+          <p:nvPr/>
+        </p:nvSpPr>
+        <p:spPr>
+          <a:xfrm>
+            <a:off x="2860484" y="4300416"/>
+            <a:ext cx="1491050" cy="269573"/>
+          </a:xfrm>
+          <a:prstGeom prst="roundRect">
+            <a:avLst/>
+          </a:prstGeom>
+        </p:spPr>
+        <p:style>
+          <a:lnRef idx="2">
+            <a:schemeClr val="accent2">
+              <a:shade val="50000"/>
+            </a:schemeClr>
+          </a:lnRef>
+          <a:fillRef idx="1">
+            <a:schemeClr val="accent2"/>
+          </a:fillRef>
+          <a:effectRef idx="0">
+            <a:schemeClr val="accent2"/>
+          </a:effectRef>
+          <a:fontRef idx="minor">
+            <a:schemeClr val="lt1"/>
+          </a:fontRef>
+        </p:style>
+        <p:txBody>
+          <a:bodyPr rtlCol="0" anchor="ctr"/>
+          <a:lstStyle/>
+          <a:p>
+            <a:pPr algn="ctr"/>
+            <a:r>
+              <a:rPr lang="zh-CN" altLang="en-US" sz="1200" dirty="0" smtClean="0"/>
+              <a:t>返回密码错误</a:t>
+            </a:r>
+            <a:endParaRPr lang="zh-CN" altLang="en-US" sz="1200" dirty="0"/>
+          </a:p>
+        </p:txBody>
+      </p:sp>
+      <p:cxnSp>
+        <p:nvCxnSpPr>
+          <p:cNvPr id="53" name="肘形连接符 52"/>
+          <p:cNvCxnSpPr>
+            <a:stCxn id="22" idx="3"/>
+            <a:endCxn id="51" idx="1"/>
+          </p:cNvCxnSpPr>
+          <p:nvPr/>
+        </p:nvCxnSpPr>
+        <p:spPr>
+          <a:xfrm>
+            <a:off x="2290119" y="3704497"/>
+            <a:ext cx="570365" cy="730706"/>
+          </a:xfrm>
+          <a:prstGeom prst="bentConnector3">
+            <a:avLst/>
+          </a:prstGeom>
+          <a:ln>
+            <a:tailEnd type="triangle"/>
+          </a:ln>
+        </p:spPr>
+        <p:style>
+          <a:lnRef idx="1">
+            <a:schemeClr val="accent1"/>
+          </a:lnRef>
+          <a:fillRef idx="0">
+            <a:schemeClr val="accent1"/>
+          </a:fillRef>
+          <a:effectRef idx="0">
+            <a:schemeClr val="accent1"/>
+          </a:effectRef>
+          <a:fontRef idx="minor">
+            <a:schemeClr val="tx1"/>
+          </a:fontRef>
+        </p:style>
+      </p:cxnSp>
+      <p:sp>
+        <p:nvSpPr>
+          <p:cNvPr id="54" name="文本框 53"/>
+          <p:cNvSpPr txBox="1"/>
+          <p:nvPr/>
+        </p:nvSpPr>
+        <p:spPr>
+          <a:xfrm>
+            <a:off x="2449917" y="3922149"/>
+            <a:ext cx="441146" cy="246221"/>
+          </a:xfrm>
+          <a:prstGeom prst="rect">
+            <a:avLst/>
+          </a:prstGeom>
+          <a:noFill/>
+        </p:spPr>
+        <p:txBody>
+          <a:bodyPr wrap="none" rtlCol="0">
+            <a:spAutoFit/>
+          </a:bodyPr>
+          <a:lstStyle/>
+          <a:p>
+            <a:r>
+              <a:rPr lang="zh-CN" altLang="en-US" sz="1000" dirty="0" smtClean="0">
+                <a:solidFill>
+                  <a:srgbClr val="C00000"/>
+                </a:solidFill>
+              </a:rPr>
+              <a:t>异常</a:t>
+            </a:r>
+            <a:endParaRPr lang="zh-CN" altLang="en-US" sz="1000" dirty="0">
+              <a:solidFill>
+                <a:srgbClr val="C00000"/>
+              </a:solidFill>
+            </a:endParaRPr>
+          </a:p>
+        </p:txBody>
+      </p:sp>
+      <p:cxnSp>
+        <p:nvCxnSpPr>
+          <p:cNvPr id="58" name="肘形连接符 57"/>
+          <p:cNvCxnSpPr>
+            <a:stCxn id="43" idx="3"/>
+            <a:endCxn id="18" idx="1"/>
+          </p:cNvCxnSpPr>
+          <p:nvPr/>
+        </p:nvCxnSpPr>
+        <p:spPr>
+          <a:xfrm>
+            <a:off x="4320746" y="3700146"/>
+            <a:ext cx="757881" cy="2182808"/>
+          </a:xfrm>
+          <a:prstGeom prst="bentConnector3">
+            <a:avLst/>
+          </a:prstGeom>
+          <a:ln>
+            <a:tailEnd type="triangle"/>
+          </a:ln>
+        </p:spPr>
+        <p:style>
+          <a:lnRef idx="1">
+            <a:schemeClr val="accent1"/>
+          </a:lnRef>
+          <a:fillRef idx="0">
+            <a:schemeClr val="accent1"/>
+          </a:fillRef>
+          <a:effectRef idx="0">
+            <a:schemeClr val="accent1"/>
+          </a:effectRef>
+          <a:fontRef idx="minor">
+            <a:schemeClr val="tx1"/>
+          </a:fontRef>
+        </p:style>
+      </p:cxnSp>
+      <p:cxnSp>
+        <p:nvCxnSpPr>
+          <p:cNvPr id="60" name="肘形连接符 59"/>
+          <p:cNvCxnSpPr>
+            <a:stCxn id="51" idx="3"/>
+            <a:endCxn id="18" idx="1"/>
+          </p:cNvCxnSpPr>
+          <p:nvPr/>
+        </p:nvCxnSpPr>
+        <p:spPr>
+          <a:xfrm>
+            <a:off x="4351534" y="4435203"/>
+            <a:ext cx="727093" cy="1447751"/>
+          </a:xfrm>
+          <a:prstGeom prst="bentConnector3">
+            <a:avLst/>
+          </a:prstGeom>
+          <a:ln>
+            <a:tailEnd type="triangle"/>
+          </a:ln>
+        </p:spPr>
+        <p:style>
+          <a:lnRef idx="1">
+            <a:schemeClr val="accent1"/>
+          </a:lnRef>
+          <a:fillRef idx="0">
+            <a:schemeClr val="accent1"/>
+          </a:fillRef>
+          <a:effectRef idx="0">
+            <a:schemeClr val="accent1"/>
+          </a:effectRef>
+          <a:fontRef idx="minor">
+            <a:schemeClr val="tx1"/>
+          </a:fontRef>
+        </p:style>
+      </p:cxnSp>
+      <p:cxnSp>
+        <p:nvCxnSpPr>
+          <p:cNvPr id="62" name="直接箭头连接符 61"/>
+          <p:cNvCxnSpPr>
+            <a:stCxn id="25" idx="3"/>
+            <a:endCxn id="18" idx="1"/>
+          </p:cNvCxnSpPr>
+          <p:nvPr/>
+        </p:nvCxnSpPr>
+        <p:spPr>
+          <a:xfrm>
+            <a:off x="2290119" y="5882954"/>
+            <a:ext cx="2788508" cy="0"/>
+          </a:xfrm>
+          <a:prstGeom prst="straightConnector1">
+            <a:avLst/>
+          </a:prstGeom>
+          <a:ln>
+            <a:tailEnd type="triangle"/>
+          </a:ln>
+        </p:spPr>
+        <p:style>
+          <a:lnRef idx="1">
+            <a:schemeClr val="accent1"/>
+          </a:lnRef>
+          <a:fillRef idx="0">
+            <a:schemeClr val="accent1"/>
+          </a:fillRef>
+          <a:effectRef idx="0">
+            <a:schemeClr val="accent1"/>
+          </a:effectRef>
+          <a:fontRef idx="minor">
+            <a:schemeClr val="tx1"/>
+          </a:fontRef>
+        </p:style>
+      </p:cxnSp>
+    </p:spTree>
+    <p:extLst>
+      <p:ext uri="{BB962C8B-B14F-4D97-AF65-F5344CB8AC3E}">
+        <p14:creationId xmlns:p14="http://schemas.microsoft.com/office/powerpoint/2010/main" val="476400078"/>
+      </p:ext>
+    </p:extLst>
+  </p:cSld>
+  <p:clrMapOvr>
+    <a:masterClrMapping/>
+  </p:clrMapOvr>
+  <p:timing>
+    <p:tnLst>
+      <p:par>
+        <p:cTn id="1" dur="indefinite" restart="never" nodeType="tmRoot"/>
+      </p:par>
+    </p:tnLst>
+  </p:timing>
+</p:sld>
+</file>
+
+<file path=ppt/slides/slide9.xml><?xml version="1.0" encoding="utf-8"?>
+<p:sld xmlns:a="http://schemas.openxmlformats.org/drawingml/2006/main" xmlns:r="http://schemas.openxmlformats.org/officeDocument/2006/relationships" xmlns:p="http://schemas.openxmlformats.org/presentationml/2006/main">
+  <p:cSld>
+    <p:spTree>
+      <p:nvGrpSpPr>
+        <p:cNvPr id="1" name=""/>
+        <p:cNvGrpSpPr/>
+        <p:nvPr/>
+      </p:nvGrpSpPr>
+      <p:grpSpPr>
+        <a:xfrm>
+          <a:off x="0" y="0"/>
+          <a:ext cx="0" cy="0"/>
+          <a:chOff x="0" y="0"/>
+          <a:chExt cx="0" cy="0"/>
+        </a:xfrm>
+      </p:grpSpPr>
+      <p:sp>
+        <p:nvSpPr>
+          <p:cNvPr id="2" name="标题 1"/>
+          <p:cNvSpPr>
+            <a:spLocks noGrp="1"/>
+          </p:cNvSpPr>
+          <p:nvPr>
+            <p:ph type="title"/>
+          </p:nvPr>
+        </p:nvSpPr>
+        <p:spPr/>
+        <p:txBody>
+          <a:bodyPr/>
+          <a:lstStyle/>
+          <a:p>
+            <a:endParaRPr lang="zh-CN" altLang="en-US" dirty="0"/>
+          </a:p>
+        </p:txBody>
+      </p:sp>
+      <p:sp>
+        <p:nvSpPr>
+          <p:cNvPr id="3" name="内容占位符 2"/>
+          <p:cNvSpPr>
+            <a:spLocks noGrp="1"/>
+          </p:cNvSpPr>
+          <p:nvPr>
+            <p:ph idx="1"/>
+          </p:nvPr>
+        </p:nvSpPr>
+        <p:spPr/>
+        <p:txBody>
+          <a:bodyPr/>
+          <a:lstStyle/>
+          <a:p>
+            <a:endParaRPr lang="zh-CN" altLang="en-US"/>
+          </a:p>
+        </p:txBody>
+      </p:sp>
+    </p:spTree>
+    <p:extLst>
+      <p:ext uri="{BB962C8B-B14F-4D97-AF65-F5344CB8AC3E}">
+        <p14:creationId xmlns:p14="http://schemas.microsoft.com/office/powerpoint/2010/main" val="1935769677"/>
+      </p:ext>
+    </p:extLst>
+  </p:cSld>
+  <p:clrMapOvr>
+    <a:masterClrMapping/>
+  </p:clrMapOvr>
+  <p:timing>
+    <p:tnLst>
+      <p:par>
+        <p:cTn id="1" dur="indefinite" restart="never" nodeType="tmRoot"/>
+      </p:par>
+    </p:tnLst>
+  </p:timing>
 </p:sld>
 </file>
 
